--- a/PROJECT2-Corona19.pptx
+++ b/PROJECT2-Corona19.pptx
@@ -6,8 +6,9 @@
   </p:sldMasterIdLst>
   <p:sldIdLst>
     <p:sldId id="256" r:id="rId2"/>
-    <p:sldId id="257" r:id="rId3"/>
-    <p:sldId id="258" r:id="rId4"/>
+    <p:sldId id="259" r:id="rId3"/>
+    <p:sldId id="257" r:id="rId4"/>
+    <p:sldId id="258" r:id="rId5"/>
   </p:sldIdLst>
   <p:sldSz cx="12192000" cy="6858000"/>
   <p:notesSz cx="6858000" cy="9144000"/>
@@ -261,7 +262,7 @@
           <a:p>
             <a:fld id="{2A91FEB5-54BC-4A4A-9092-88F8049E2D4D}" type="datetimeFigureOut">
               <a:rPr lang="ko-KR" altLang="en-US" smtClean="0"/>
-              <a:t>2020-03-05</a:t>
+              <a:t>2020-03-18</a:t>
             </a:fld>
             <a:endParaRPr lang="ko-KR" altLang="en-US"/>
           </a:p>
@@ -459,7 +460,7 @@
           <a:p>
             <a:fld id="{2A91FEB5-54BC-4A4A-9092-88F8049E2D4D}" type="datetimeFigureOut">
               <a:rPr lang="ko-KR" altLang="en-US" smtClean="0"/>
-              <a:t>2020-03-05</a:t>
+              <a:t>2020-03-18</a:t>
             </a:fld>
             <a:endParaRPr lang="ko-KR" altLang="en-US"/>
           </a:p>
@@ -667,7 +668,7 @@
           <a:p>
             <a:fld id="{2A91FEB5-54BC-4A4A-9092-88F8049E2D4D}" type="datetimeFigureOut">
               <a:rPr lang="ko-KR" altLang="en-US" smtClean="0"/>
-              <a:t>2020-03-05</a:t>
+              <a:t>2020-03-18</a:t>
             </a:fld>
             <a:endParaRPr lang="ko-KR" altLang="en-US"/>
           </a:p>
@@ -865,7 +866,7 @@
           <a:p>
             <a:fld id="{2A91FEB5-54BC-4A4A-9092-88F8049E2D4D}" type="datetimeFigureOut">
               <a:rPr lang="ko-KR" altLang="en-US" smtClean="0"/>
-              <a:t>2020-03-05</a:t>
+              <a:t>2020-03-18</a:t>
             </a:fld>
             <a:endParaRPr lang="ko-KR" altLang="en-US"/>
           </a:p>
@@ -1140,7 +1141,7 @@
           <a:p>
             <a:fld id="{2A91FEB5-54BC-4A4A-9092-88F8049E2D4D}" type="datetimeFigureOut">
               <a:rPr lang="ko-KR" altLang="en-US" smtClean="0"/>
-              <a:t>2020-03-05</a:t>
+              <a:t>2020-03-18</a:t>
             </a:fld>
             <a:endParaRPr lang="ko-KR" altLang="en-US"/>
           </a:p>
@@ -1405,7 +1406,7 @@
           <a:p>
             <a:fld id="{2A91FEB5-54BC-4A4A-9092-88F8049E2D4D}" type="datetimeFigureOut">
               <a:rPr lang="ko-KR" altLang="en-US" smtClean="0"/>
-              <a:t>2020-03-05</a:t>
+              <a:t>2020-03-18</a:t>
             </a:fld>
             <a:endParaRPr lang="ko-KR" altLang="en-US"/>
           </a:p>
@@ -1817,7 +1818,7 @@
           <a:p>
             <a:fld id="{2A91FEB5-54BC-4A4A-9092-88F8049E2D4D}" type="datetimeFigureOut">
               <a:rPr lang="ko-KR" altLang="en-US" smtClean="0"/>
-              <a:t>2020-03-05</a:t>
+              <a:t>2020-03-18</a:t>
             </a:fld>
             <a:endParaRPr lang="ko-KR" altLang="en-US"/>
           </a:p>
@@ -1958,7 +1959,7 @@
           <a:p>
             <a:fld id="{2A91FEB5-54BC-4A4A-9092-88F8049E2D4D}" type="datetimeFigureOut">
               <a:rPr lang="ko-KR" altLang="en-US" smtClean="0"/>
-              <a:t>2020-03-05</a:t>
+              <a:t>2020-03-18</a:t>
             </a:fld>
             <a:endParaRPr lang="ko-KR" altLang="en-US"/>
           </a:p>
@@ -2071,7 +2072,7 @@
           <a:p>
             <a:fld id="{2A91FEB5-54BC-4A4A-9092-88F8049E2D4D}" type="datetimeFigureOut">
               <a:rPr lang="ko-KR" altLang="en-US" smtClean="0"/>
-              <a:t>2020-03-05</a:t>
+              <a:t>2020-03-18</a:t>
             </a:fld>
             <a:endParaRPr lang="ko-KR" altLang="en-US"/>
           </a:p>
@@ -2382,7 +2383,7 @@
           <a:p>
             <a:fld id="{2A91FEB5-54BC-4A4A-9092-88F8049E2D4D}" type="datetimeFigureOut">
               <a:rPr lang="ko-KR" altLang="en-US" smtClean="0"/>
-              <a:t>2020-03-05</a:t>
+              <a:t>2020-03-18</a:t>
             </a:fld>
             <a:endParaRPr lang="ko-KR" altLang="en-US"/>
           </a:p>
@@ -2670,7 +2671,7 @@
           <a:p>
             <a:fld id="{2A91FEB5-54BC-4A4A-9092-88F8049E2D4D}" type="datetimeFigureOut">
               <a:rPr lang="ko-KR" altLang="en-US" smtClean="0"/>
-              <a:t>2020-03-05</a:t>
+              <a:t>2020-03-18</a:t>
             </a:fld>
             <a:endParaRPr lang="ko-KR" altLang="en-US"/>
           </a:p>
@@ -2911,7 +2912,7 @@
           <a:p>
             <a:fld id="{2A91FEB5-54BC-4A4A-9092-88F8049E2D4D}" type="datetimeFigureOut">
               <a:rPr lang="ko-KR" altLang="en-US" smtClean="0"/>
-              <a:t>2020-03-05</a:t>
+              <a:t>2020-03-18</a:t>
             </a:fld>
             <a:endParaRPr lang="ko-KR" altLang="en-US"/>
           </a:p>
@@ -3481,6 +3482,1300 @@
       </p:grpSpPr>
       <p:sp>
         <p:nvSpPr>
+          <p:cNvPr id="4" name="TextBox 3">
+            <a:extLst>
+              <a:ext uri="{FF2B5EF4-FFF2-40B4-BE49-F238E27FC236}">
+                <a16:creationId xmlns:a16="http://schemas.microsoft.com/office/drawing/2014/main" id="{304E96D9-8005-4D73-A80B-65BD8A02993C}"/>
+              </a:ext>
+            </a:extLst>
+          </p:cNvPr>
+          <p:cNvSpPr txBox="1"/>
+          <p:nvPr/>
+        </p:nvSpPr>
+        <p:spPr>
+          <a:xfrm>
+            <a:off x="330703" y="655093"/>
+            <a:ext cx="5532092" cy="400110"/>
+          </a:xfrm>
+          <a:prstGeom prst="rect">
+            <a:avLst/>
+          </a:prstGeom>
+          <a:noFill/>
+        </p:spPr>
+        <p:txBody>
+          <a:bodyPr wrap="none" rtlCol="0">
+            <a:spAutoFit/>
+          </a:bodyPr>
+          <a:lstStyle/>
+          <a:p>
+            <a:r>
+              <a:rPr lang="ko-KR" altLang="en-US" sz="2000" b="1" dirty="0"/>
+              <a:t>코로나 바이러스 </a:t>
+            </a:r>
+            <a:r>
+              <a:rPr lang="ko-KR" altLang="en-US" sz="2000" b="1" dirty="0" err="1"/>
+              <a:t>감염증</a:t>
+            </a:r>
+            <a:r>
+              <a:rPr lang="ko-KR" altLang="en-US" sz="2000" b="1" dirty="0"/>
+              <a:t> </a:t>
+            </a:r>
+            <a:r>
+              <a:rPr lang="en-US" altLang="ko-KR" sz="2000" b="1" dirty="0"/>
+              <a:t>– 19 (COVID-19) </a:t>
+            </a:r>
+            <a:r>
+              <a:rPr lang="ko-KR" altLang="en-US" dirty="0"/>
+              <a:t>란</a:t>
+            </a:r>
+            <a:r>
+              <a:rPr lang="en-US" altLang="ko-KR" dirty="0"/>
+              <a:t>?</a:t>
+            </a:r>
+            <a:endParaRPr lang="ko-KR" altLang="en-US" dirty="0"/>
+          </a:p>
+        </p:txBody>
+      </p:sp>
+      <p:grpSp>
+        <p:nvGrpSpPr>
+          <p:cNvPr id="7" name="그룹 6">
+            <a:extLst>
+              <a:ext uri="{FF2B5EF4-FFF2-40B4-BE49-F238E27FC236}">
+                <a16:creationId xmlns:a16="http://schemas.microsoft.com/office/drawing/2014/main" id="{7A4877CB-7292-4A98-8518-DDE33AC3E566}"/>
+              </a:ext>
+            </a:extLst>
+          </p:cNvPr>
+          <p:cNvGrpSpPr/>
+          <p:nvPr/>
+        </p:nvGrpSpPr>
+        <p:grpSpPr>
+          <a:xfrm>
+            <a:off x="7763211" y="3048828"/>
+            <a:ext cx="4309380" cy="3809172"/>
+            <a:chOff x="7444557" y="3070142"/>
+            <a:chExt cx="4309380" cy="3809172"/>
+          </a:xfrm>
+        </p:grpSpPr>
+        <p:pic>
+          <p:nvPicPr>
+            <p:cNvPr id="3" name="그림 2" descr="케이크, 실내, 장식, 빨간색이(가) 표시된 사진&#10;&#10;자동 생성된 설명">
+              <a:extLst>
+                <a:ext uri="{FF2B5EF4-FFF2-40B4-BE49-F238E27FC236}">
+                  <a16:creationId xmlns:a16="http://schemas.microsoft.com/office/drawing/2014/main" id="{BEDA5BDB-54AE-4185-AB40-F0E08E69F2D0}"/>
+                </a:ext>
+              </a:extLst>
+            </p:cNvPr>
+            <p:cNvPicPr>
+              <a:picLocks noChangeAspect="1"/>
+            </p:cNvPicPr>
+            <p:nvPr/>
+          </p:nvPicPr>
+          <p:blipFill rotWithShape="1">
+            <a:blip r:embed="rId2">
+              <a:alphaModFix amt="50000"/>
+              <a:extLst>
+                <a:ext uri="{28A0092B-C50C-407E-A947-70E740481C1C}">
+                  <a14:useLocalDpi xmlns:a14="http://schemas.microsoft.com/office/drawing/2010/main" val="0"/>
+                </a:ext>
+              </a:extLst>
+            </a:blip>
+            <a:srcRect l="8695" r="7744"/>
+            <a:stretch/>
+          </p:blipFill>
+          <p:spPr>
+            <a:xfrm>
+              <a:off x="7444557" y="3070142"/>
+              <a:ext cx="4309380" cy="3439840"/>
+            </a:xfrm>
+            <a:prstGeom prst="rect">
+              <a:avLst/>
+            </a:prstGeom>
+          </p:spPr>
+        </p:pic>
+        <p:sp>
+          <p:nvSpPr>
+            <p:cNvPr id="6" name="직사각형 5">
+              <a:extLst>
+                <a:ext uri="{FF2B5EF4-FFF2-40B4-BE49-F238E27FC236}">
+                  <a16:creationId xmlns:a16="http://schemas.microsoft.com/office/drawing/2014/main" id="{DA855D3B-8EAC-4BD1-A28D-5C3A3722BAB6}"/>
+                </a:ext>
+              </a:extLst>
+            </p:cNvPr>
+            <p:cNvSpPr/>
+            <p:nvPr/>
+          </p:nvSpPr>
+          <p:spPr>
+            <a:xfrm>
+              <a:off x="10469483" y="6509982"/>
+              <a:ext cx="1284454" cy="369332"/>
+            </a:xfrm>
+            <a:prstGeom prst="rect">
+              <a:avLst/>
+            </a:prstGeom>
+          </p:spPr>
+          <p:txBody>
+            <a:bodyPr wrap="none">
+              <a:spAutoFit/>
+            </a:bodyPr>
+            <a:lstStyle/>
+            <a:p>
+              <a:r>
+                <a:rPr lang="en-US" altLang="ko-KR" dirty="0">
+                  <a:solidFill>
+                    <a:srgbClr val="444444"/>
+                  </a:solidFill>
+                  <a:latin typeface="Noto Sans KR"/>
+                </a:rPr>
+                <a:t>SARS-CoV-2</a:t>
+              </a:r>
+              <a:endParaRPr lang="ko-KR" altLang="en-US" dirty="0"/>
+            </a:p>
+          </p:txBody>
+        </p:sp>
+      </p:grpSp>
+      <p:graphicFrame>
+        <p:nvGraphicFramePr>
+          <p:cNvPr id="10" name="표 9">
+            <a:extLst>
+              <a:ext uri="{FF2B5EF4-FFF2-40B4-BE49-F238E27FC236}">
+                <a16:creationId xmlns:a16="http://schemas.microsoft.com/office/drawing/2014/main" id="{953D686D-6867-4893-8079-7CC76150052E}"/>
+              </a:ext>
+            </a:extLst>
+          </p:cNvPr>
+          <p:cNvGraphicFramePr>
+            <a:graphicFrameLocks noGrp="1"/>
+          </p:cNvGraphicFramePr>
+          <p:nvPr>
+            <p:extLst>
+              <p:ext uri="{D42A27DB-BD31-4B8C-83A1-F6EECF244321}">
+                <p14:modId xmlns:p14="http://schemas.microsoft.com/office/powerpoint/2010/main" val="117685261"/>
+              </p:ext>
+            </p:extLst>
+          </p:nvPr>
+        </p:nvGraphicFramePr>
+        <p:xfrm>
+          <a:off x="424009" y="1205691"/>
+          <a:ext cx="4754481" cy="5002014"/>
+        </p:xfrm>
+        <a:graphic>
+          <a:graphicData uri="http://schemas.openxmlformats.org/drawingml/2006/table">
+            <a:tbl>
+              <a:tblPr>
+                <a:tableStyleId>{8799B23B-EC83-4686-B30A-512413B5E67A}</a:tableStyleId>
+              </a:tblPr>
+              <a:tblGrid>
+                <a:gridCol w="890415">
+                  <a:extLst>
+                    <a:ext uri="{9D8B030D-6E8A-4147-A177-3AD203B41FA5}">
+                      <a16:colId xmlns:a16="http://schemas.microsoft.com/office/drawing/2014/main" val="3233783226"/>
+                    </a:ext>
+                  </a:extLst>
+                </a:gridCol>
+                <a:gridCol w="3864066">
+                  <a:extLst>
+                    <a:ext uri="{9D8B030D-6E8A-4147-A177-3AD203B41FA5}">
+                      <a16:colId xmlns:a16="http://schemas.microsoft.com/office/drawing/2014/main" val="2461228279"/>
+                    </a:ext>
+                  </a:extLst>
+                </a:gridCol>
+              </a:tblGrid>
+              <a:tr h="149295">
+                <a:tc>
+                  <a:txBody>
+                    <a:bodyPr/>
+                    <a:lstStyle/>
+                    <a:p>
+                      <a:pPr algn="l" fontAlgn="ctr"/>
+                      <a:r>
+                        <a:rPr lang="ko-KR" altLang="en-US" sz="1050" u="none" strike="noStrike" dirty="0">
+                          <a:effectLst/>
+                        </a:rPr>
+                        <a:t> 정의</a:t>
+                      </a:r>
+                      <a:endParaRPr lang="ko-KR" altLang="en-US" sz="1050" b="0" i="0" u="none" strike="noStrike" dirty="0">
+                        <a:solidFill>
+                          <a:srgbClr val="000000"/>
+                        </a:solidFill>
+                        <a:effectLst/>
+                        <a:latin typeface="맑은 고딕" panose="020B0503020000020004" pitchFamily="50" charset="-127"/>
+                        <a:ea typeface="맑은 고딕" panose="020B0503020000020004" pitchFamily="50" charset="-127"/>
+                      </a:endParaRPr>
+                    </a:p>
+                  </a:txBody>
+                  <a:tcPr marL="4689" marR="4689" marT="4689" marB="0" anchor="ctr"/>
+                </a:tc>
+                <a:tc>
+                  <a:txBody>
+                    <a:bodyPr/>
+                    <a:lstStyle/>
+                    <a:p>
+                      <a:pPr algn="l" fontAlgn="ctr"/>
+                      <a:r>
+                        <a:rPr lang="ko-KR" altLang="en-US" sz="1050" u="none" strike="noStrike" dirty="0">
+                          <a:effectLst/>
+                        </a:rPr>
+                        <a:t> </a:t>
+                      </a:r>
+                      <a:r>
+                        <a:rPr lang="en-US" altLang="ko-KR" sz="1050" u="none" strike="noStrike" dirty="0">
+                          <a:effectLst/>
+                        </a:rPr>
+                        <a:t>SARS-CoV-2 </a:t>
+                      </a:r>
+                      <a:r>
+                        <a:rPr lang="ko-KR" altLang="en-US" sz="1050" u="none" strike="noStrike" dirty="0">
+                          <a:effectLst/>
+                        </a:rPr>
+                        <a:t>감염에 의한 호흡기 증후군</a:t>
+                      </a:r>
+                      <a:endParaRPr lang="ko-KR" altLang="en-US" sz="1050" b="0" i="0" u="none" strike="noStrike" dirty="0">
+                        <a:solidFill>
+                          <a:srgbClr val="000000"/>
+                        </a:solidFill>
+                        <a:effectLst/>
+                        <a:latin typeface="맑은 고딕" panose="020B0503020000020004" pitchFamily="50" charset="-127"/>
+                        <a:ea typeface="맑은 고딕" panose="020B0503020000020004" pitchFamily="50" charset="-127"/>
+                      </a:endParaRPr>
+                    </a:p>
+                  </a:txBody>
+                  <a:tcPr marL="4689" marR="4689" marT="4689" marB="0" anchor="ctr"/>
+                </a:tc>
+                <a:extLst>
+                  <a:ext uri="{0D108BD9-81ED-4DB2-BD59-A6C34878D82A}">
+                    <a16:rowId xmlns:a16="http://schemas.microsoft.com/office/drawing/2014/main" val="2689292847"/>
+                  </a:ext>
+                </a:extLst>
+              </a:tr>
+              <a:tr h="473656">
+                <a:tc>
+                  <a:txBody>
+                    <a:bodyPr/>
+                    <a:lstStyle/>
+                    <a:p>
+                      <a:pPr algn="l" fontAlgn="ctr"/>
+                      <a:r>
+                        <a:rPr lang="ko-KR" altLang="en-US" sz="1050" u="none" strike="noStrike" dirty="0">
+                          <a:effectLst/>
+                        </a:rPr>
+                        <a:t> 전파 경로</a:t>
+                      </a:r>
+                      <a:endParaRPr lang="ko-KR" altLang="en-US" sz="1050" b="0" i="0" u="none" strike="noStrike" dirty="0">
+                        <a:solidFill>
+                          <a:srgbClr val="000000"/>
+                        </a:solidFill>
+                        <a:effectLst/>
+                        <a:latin typeface="맑은 고딕" panose="020B0503020000020004" pitchFamily="50" charset="-127"/>
+                        <a:ea typeface="맑은 고딕" panose="020B0503020000020004" pitchFamily="50" charset="-127"/>
+                      </a:endParaRPr>
+                    </a:p>
+                  </a:txBody>
+                  <a:tcPr marL="4689" marR="4689" marT="4689" marB="0" anchor="ctr"/>
+                </a:tc>
+                <a:tc>
+                  <a:txBody>
+                    <a:bodyPr/>
+                    <a:lstStyle/>
+                    <a:p>
+                      <a:pPr algn="l" fontAlgn="ctr"/>
+                      <a:r>
+                        <a:rPr lang="ko-KR" altLang="en-US" sz="1050" u="none" strike="noStrike" dirty="0">
+                          <a:effectLst/>
+                        </a:rPr>
+                        <a:t> 현재까지는 비말</a:t>
+                      </a:r>
+                      <a:r>
+                        <a:rPr lang="en-US" altLang="ko-KR" sz="1050" u="none" strike="noStrike" dirty="0">
+                          <a:effectLst/>
+                        </a:rPr>
+                        <a:t>, </a:t>
+                      </a:r>
+                      <a:r>
+                        <a:rPr lang="ko-KR" altLang="en-US" sz="1050" u="none" strike="noStrike" dirty="0">
+                          <a:effectLst/>
+                        </a:rPr>
+                        <a:t>접촉을 통한 전파로 알려짐</a:t>
+                      </a:r>
+                      <a:br>
+                        <a:rPr lang="ko-KR" altLang="en-US" sz="1050" u="none" strike="noStrike" dirty="0">
+                          <a:effectLst/>
+                        </a:rPr>
+                      </a:br>
+                      <a:r>
+                        <a:rPr lang="ko-KR" altLang="en-US" sz="1050" u="none" strike="noStrike" dirty="0">
+                          <a:effectLst/>
+                        </a:rPr>
+                        <a:t> * 기침이나 재채기로 호흡기 비말 등</a:t>
+                      </a:r>
+                      <a:br>
+                        <a:rPr lang="ko-KR" altLang="en-US" sz="1050" u="none" strike="noStrike" dirty="0">
+                          <a:effectLst/>
+                        </a:rPr>
+                      </a:br>
+                      <a:r>
+                        <a:rPr lang="ko-KR" altLang="en-US" sz="1050" u="none" strike="noStrike" dirty="0">
+                          <a:effectLst/>
+                        </a:rPr>
+                        <a:t> * 오염된 물건을 만진 뒤 눈</a:t>
+                      </a:r>
+                      <a:r>
+                        <a:rPr lang="en-US" altLang="ko-KR" sz="1050" u="none" strike="noStrike" dirty="0">
+                          <a:effectLst/>
+                        </a:rPr>
+                        <a:t>, </a:t>
+                      </a:r>
+                      <a:r>
+                        <a:rPr lang="ko-KR" altLang="en-US" sz="1050" u="none" strike="noStrike" dirty="0">
+                          <a:effectLst/>
+                        </a:rPr>
+                        <a:t>코</a:t>
+                      </a:r>
+                      <a:r>
+                        <a:rPr lang="en-US" altLang="ko-KR" sz="1050" u="none" strike="noStrike" dirty="0">
+                          <a:effectLst/>
+                        </a:rPr>
+                        <a:t>, </a:t>
+                      </a:r>
+                      <a:r>
+                        <a:rPr lang="ko-KR" altLang="en-US" sz="1050" u="none" strike="noStrike" dirty="0">
+                          <a:effectLst/>
+                        </a:rPr>
+                        <a:t>입을 만짐</a:t>
+                      </a:r>
+                      <a:endParaRPr lang="ko-KR" altLang="en-US" sz="1050" b="0" i="0" u="none" strike="noStrike" dirty="0">
+                        <a:solidFill>
+                          <a:srgbClr val="000000"/>
+                        </a:solidFill>
+                        <a:effectLst/>
+                        <a:latin typeface="맑은 고딕" panose="020B0503020000020004" pitchFamily="50" charset="-127"/>
+                        <a:ea typeface="맑은 고딕" panose="020B0503020000020004" pitchFamily="50" charset="-127"/>
+                      </a:endParaRPr>
+                    </a:p>
+                  </a:txBody>
+                  <a:tcPr marL="4689" marR="4689" marT="4689" marB="0" anchor="ctr"/>
+                </a:tc>
+                <a:extLst>
+                  <a:ext uri="{0D108BD9-81ED-4DB2-BD59-A6C34878D82A}">
+                    <a16:rowId xmlns:a16="http://schemas.microsoft.com/office/drawing/2014/main" val="1479802974"/>
+                  </a:ext>
+                </a:extLst>
+              </a:tr>
+              <a:tr h="252085">
+                <a:tc>
+                  <a:txBody>
+                    <a:bodyPr/>
+                    <a:lstStyle/>
+                    <a:p>
+                      <a:pPr algn="l" fontAlgn="ctr"/>
+                      <a:r>
+                        <a:rPr lang="ko-KR" altLang="en-US" sz="1050" u="none" strike="noStrike" dirty="0">
+                          <a:effectLst/>
+                        </a:rPr>
+                        <a:t> 잠복기</a:t>
+                      </a:r>
+                      <a:endParaRPr lang="ko-KR" altLang="en-US" sz="1050" b="0" i="0" u="none" strike="noStrike" dirty="0">
+                        <a:solidFill>
+                          <a:srgbClr val="000000"/>
+                        </a:solidFill>
+                        <a:effectLst/>
+                        <a:latin typeface="맑은 고딕" panose="020B0503020000020004" pitchFamily="50" charset="-127"/>
+                        <a:ea typeface="맑은 고딕" panose="020B0503020000020004" pitchFamily="50" charset="-127"/>
+                      </a:endParaRPr>
+                    </a:p>
+                  </a:txBody>
+                  <a:tcPr marL="4689" marR="4689" marT="4689" marB="0" anchor="ctr"/>
+                </a:tc>
+                <a:tc>
+                  <a:txBody>
+                    <a:bodyPr/>
+                    <a:lstStyle/>
+                    <a:p>
+                      <a:pPr algn="l" fontAlgn="ctr"/>
+                      <a:r>
+                        <a:rPr lang="ko-KR" altLang="en-US" sz="1050" u="none" strike="noStrike" dirty="0">
+                          <a:effectLst/>
+                        </a:rPr>
+                        <a:t> </a:t>
+                      </a:r>
+                      <a:r>
+                        <a:rPr lang="en-US" altLang="ko-KR" sz="1050" u="none" strike="noStrike" dirty="0">
+                          <a:effectLst/>
+                        </a:rPr>
+                        <a:t>1~14</a:t>
+                      </a:r>
+                      <a:r>
+                        <a:rPr lang="ko-KR" altLang="en-US" sz="1050" u="none" strike="noStrike" dirty="0">
+                          <a:effectLst/>
+                        </a:rPr>
+                        <a:t>일 </a:t>
+                      </a:r>
+                      <a:r>
+                        <a:rPr lang="en-US" altLang="ko-KR" sz="1050" u="none" strike="noStrike" dirty="0">
+                          <a:effectLst/>
+                        </a:rPr>
+                        <a:t>(</a:t>
+                      </a:r>
+                      <a:r>
+                        <a:rPr lang="ko-KR" altLang="en-US" sz="1050" u="none" strike="noStrike" dirty="0">
+                          <a:effectLst/>
+                        </a:rPr>
+                        <a:t>평균 </a:t>
+                      </a:r>
+                      <a:r>
+                        <a:rPr lang="en-US" altLang="ko-KR" sz="1050" u="none" strike="noStrike" dirty="0">
+                          <a:effectLst/>
+                        </a:rPr>
+                        <a:t>4~7</a:t>
+                      </a:r>
+                      <a:r>
+                        <a:rPr lang="ko-KR" altLang="en-US" sz="1050" u="none" strike="noStrike" dirty="0">
+                          <a:effectLst/>
+                        </a:rPr>
+                        <a:t>일</a:t>
+                      </a:r>
+                      <a:r>
+                        <a:rPr lang="en-US" altLang="ko-KR" sz="1050" u="none" strike="noStrike" dirty="0">
+                          <a:effectLst/>
+                        </a:rPr>
+                        <a:t>)</a:t>
+                      </a:r>
+                      <a:endParaRPr lang="en-US" altLang="ko-KR" sz="1050" b="0" i="0" u="none" strike="noStrike" dirty="0">
+                        <a:solidFill>
+                          <a:srgbClr val="000000"/>
+                        </a:solidFill>
+                        <a:effectLst/>
+                        <a:latin typeface="맑은 고딕" panose="020B0503020000020004" pitchFamily="50" charset="-127"/>
+                        <a:ea typeface="맑은 고딕" panose="020B0503020000020004" pitchFamily="50" charset="-127"/>
+                      </a:endParaRPr>
+                    </a:p>
+                  </a:txBody>
+                  <a:tcPr marL="4689" marR="4689" marT="4689" marB="0" anchor="ctr"/>
+                </a:tc>
+                <a:extLst>
+                  <a:ext uri="{0D108BD9-81ED-4DB2-BD59-A6C34878D82A}">
+                    <a16:rowId xmlns:a16="http://schemas.microsoft.com/office/drawing/2014/main" val="2522068980"/>
+                  </a:ext>
+                </a:extLst>
+              </a:tr>
+              <a:tr h="746478">
+                <a:tc>
+                  <a:txBody>
+                    <a:bodyPr/>
+                    <a:lstStyle/>
+                    <a:p>
+                      <a:pPr algn="l" fontAlgn="ctr"/>
+                      <a:r>
+                        <a:rPr lang="ko-KR" altLang="en-US" sz="1050" u="none" strike="noStrike" dirty="0">
+                          <a:effectLst/>
+                        </a:rPr>
+                        <a:t> 진단 기준</a:t>
+                      </a:r>
+                      <a:endParaRPr lang="ko-KR" altLang="en-US" sz="1050" b="0" i="0" u="none" strike="noStrike" dirty="0">
+                        <a:solidFill>
+                          <a:srgbClr val="000000"/>
+                        </a:solidFill>
+                        <a:effectLst/>
+                        <a:latin typeface="맑은 고딕" panose="020B0503020000020004" pitchFamily="50" charset="-127"/>
+                        <a:ea typeface="맑은 고딕" panose="020B0503020000020004" pitchFamily="50" charset="-127"/>
+                      </a:endParaRPr>
+                    </a:p>
+                  </a:txBody>
+                  <a:tcPr marL="4689" marR="4689" marT="4689" marB="0" anchor="ctr"/>
+                </a:tc>
+                <a:tc>
+                  <a:txBody>
+                    <a:bodyPr/>
+                    <a:lstStyle/>
+                    <a:p>
+                      <a:pPr algn="l" fontAlgn="ctr"/>
+                      <a:r>
+                        <a:rPr lang="ko-KR" altLang="en-US" sz="1050" u="none" strike="noStrike" dirty="0">
+                          <a:effectLst/>
+                        </a:rPr>
+                        <a:t> * 환자 </a:t>
+                      </a:r>
+                      <a:r>
+                        <a:rPr lang="en-US" altLang="ko-KR" sz="1050" u="none" strike="noStrike" dirty="0">
+                          <a:effectLst/>
+                        </a:rPr>
+                        <a:t>: </a:t>
+                      </a:r>
+                      <a:r>
+                        <a:rPr lang="ko-KR" altLang="en-US" sz="1050" u="none" strike="noStrike" dirty="0">
+                          <a:effectLst/>
+                        </a:rPr>
+                        <a:t>진단을 위한 검사기준에 따라 감염병병원체 감염이 </a:t>
+                      </a:r>
+                      <a:endParaRPr lang="en-US" altLang="ko-KR" sz="1050" u="none" strike="noStrike" dirty="0">
+                        <a:effectLst/>
+                      </a:endParaRPr>
+                    </a:p>
+                    <a:p>
+                      <a:pPr algn="l" fontAlgn="ctr"/>
+                      <a:r>
+                        <a:rPr lang="en-US" altLang="ko-KR" sz="1050" u="none" strike="noStrike" dirty="0">
+                          <a:effectLst/>
+                        </a:rPr>
+                        <a:t>           </a:t>
+                      </a:r>
+                      <a:r>
+                        <a:rPr lang="ko-KR" altLang="en-US" sz="1050" u="none" strike="noStrike" dirty="0">
+                          <a:effectLst/>
+                        </a:rPr>
+                        <a:t>확인된 사람</a:t>
+                      </a:r>
+                      <a:br>
+                        <a:rPr lang="ko-KR" altLang="en-US" sz="1050" u="none" strike="noStrike" dirty="0">
+                          <a:effectLst/>
+                        </a:rPr>
+                      </a:br>
+                      <a:r>
+                        <a:rPr lang="ko-KR" altLang="en-US" sz="1050" u="none" strike="noStrike" dirty="0">
+                          <a:effectLst/>
+                        </a:rPr>
+                        <a:t> * 진단을 위한 검사기준</a:t>
+                      </a:r>
+                      <a:br>
+                        <a:rPr lang="ko-KR" altLang="en-US" sz="1050" u="none" strike="noStrike" dirty="0">
+                          <a:effectLst/>
+                        </a:rPr>
+                      </a:br>
+                      <a:r>
+                        <a:rPr lang="ko-KR" altLang="en-US" sz="1050" u="none" strike="noStrike" dirty="0">
+                          <a:effectLst/>
+                        </a:rPr>
+                        <a:t>  </a:t>
+                      </a:r>
+                      <a:r>
+                        <a:rPr lang="en-US" altLang="ko-KR" sz="1050" u="none" strike="noStrike" dirty="0">
+                          <a:effectLst/>
+                        </a:rPr>
+                        <a:t>- </a:t>
+                      </a:r>
+                      <a:r>
+                        <a:rPr lang="ko-KR" altLang="en-US" sz="1050" u="none" strike="noStrike" dirty="0">
+                          <a:effectLst/>
+                        </a:rPr>
+                        <a:t>검체에서 바이러스 분리</a:t>
+                      </a:r>
+                      <a:br>
+                        <a:rPr lang="ko-KR" altLang="en-US" sz="1050" u="none" strike="noStrike" dirty="0">
+                          <a:effectLst/>
+                        </a:rPr>
+                      </a:br>
+                      <a:r>
+                        <a:rPr lang="ko-KR" altLang="en-US" sz="1050" u="none" strike="noStrike" dirty="0">
+                          <a:effectLst/>
+                        </a:rPr>
+                        <a:t>  </a:t>
+                      </a:r>
+                      <a:r>
+                        <a:rPr lang="en-US" altLang="ko-KR" sz="1050" u="none" strike="noStrike" dirty="0">
+                          <a:effectLst/>
+                        </a:rPr>
+                        <a:t>- </a:t>
+                      </a:r>
+                      <a:r>
+                        <a:rPr lang="ko-KR" altLang="en-US" sz="1050" u="none" strike="noStrike" dirty="0">
+                          <a:effectLst/>
+                        </a:rPr>
+                        <a:t>검체에서 특이 유전자 검출</a:t>
+                      </a:r>
+                      <a:endParaRPr lang="ko-KR" altLang="en-US" sz="1050" b="0" i="0" u="none" strike="noStrike" dirty="0">
+                        <a:solidFill>
+                          <a:srgbClr val="000000"/>
+                        </a:solidFill>
+                        <a:effectLst/>
+                        <a:latin typeface="맑은 고딕" panose="020B0503020000020004" pitchFamily="50" charset="-127"/>
+                        <a:ea typeface="맑은 고딕" panose="020B0503020000020004" pitchFamily="50" charset="-127"/>
+                      </a:endParaRPr>
+                    </a:p>
+                  </a:txBody>
+                  <a:tcPr marL="4689" marR="4689" marT="4689" marB="0" anchor="ctr"/>
+                </a:tc>
+                <a:extLst>
+                  <a:ext uri="{0D108BD9-81ED-4DB2-BD59-A6C34878D82A}">
+                    <a16:rowId xmlns:a16="http://schemas.microsoft.com/office/drawing/2014/main" val="1978374200"/>
+                  </a:ext>
+                </a:extLst>
+              </a:tr>
+              <a:tr h="746478">
+                <a:tc>
+                  <a:txBody>
+                    <a:bodyPr/>
+                    <a:lstStyle/>
+                    <a:p>
+                      <a:pPr algn="l" fontAlgn="ctr"/>
+                      <a:r>
+                        <a:rPr lang="ko-KR" altLang="en-US" sz="1050" u="none" strike="noStrike" dirty="0">
+                          <a:effectLst/>
+                        </a:rPr>
+                        <a:t> 증상</a:t>
+                      </a:r>
+                      <a:endParaRPr lang="ko-KR" altLang="en-US" sz="1050" b="0" i="0" u="none" strike="noStrike" dirty="0">
+                        <a:solidFill>
+                          <a:srgbClr val="000000"/>
+                        </a:solidFill>
+                        <a:effectLst/>
+                        <a:latin typeface="맑은 고딕" panose="020B0503020000020004" pitchFamily="50" charset="-127"/>
+                        <a:ea typeface="맑은 고딕" panose="020B0503020000020004" pitchFamily="50" charset="-127"/>
+                      </a:endParaRPr>
+                    </a:p>
+                  </a:txBody>
+                  <a:tcPr marL="4689" marR="4689" marT="4689" marB="0" anchor="ctr"/>
+                </a:tc>
+                <a:tc>
+                  <a:txBody>
+                    <a:bodyPr/>
+                    <a:lstStyle/>
+                    <a:p>
+                      <a:pPr algn="l" fontAlgn="ctr"/>
+                      <a:r>
+                        <a:rPr lang="ko-KR" altLang="en-US" sz="1050" u="none" strike="noStrike" dirty="0">
+                          <a:effectLst/>
+                        </a:rPr>
+                        <a:t> 발열</a:t>
+                      </a:r>
+                      <a:r>
+                        <a:rPr lang="en-US" altLang="ko-KR" sz="1050" u="none" strike="noStrike" dirty="0">
+                          <a:effectLst/>
+                        </a:rPr>
+                        <a:t>, </a:t>
+                      </a:r>
+                      <a:r>
+                        <a:rPr lang="ko-KR" altLang="en-US" sz="1050" u="none" strike="noStrike" dirty="0">
+                          <a:effectLst/>
+                        </a:rPr>
+                        <a:t>권태감</a:t>
+                      </a:r>
+                      <a:r>
+                        <a:rPr lang="en-US" altLang="ko-KR" sz="1050" u="none" strike="noStrike" dirty="0">
+                          <a:effectLst/>
+                        </a:rPr>
+                        <a:t>, </a:t>
+                      </a:r>
+                      <a:r>
+                        <a:rPr lang="ko-KR" altLang="en-US" sz="1050" u="none" strike="noStrike" dirty="0">
+                          <a:effectLst/>
+                        </a:rPr>
+                        <a:t>기침</a:t>
+                      </a:r>
+                      <a:r>
+                        <a:rPr lang="en-US" altLang="ko-KR" sz="1050" u="none" strike="noStrike" dirty="0">
+                          <a:effectLst/>
+                        </a:rPr>
+                        <a:t>, </a:t>
+                      </a:r>
+                      <a:r>
+                        <a:rPr lang="ko-KR" altLang="en-US" sz="1050" u="none" strike="noStrike" dirty="0">
+                          <a:effectLst/>
+                        </a:rPr>
+                        <a:t>호흡곤란 및 폐렴</a:t>
+                      </a:r>
+                      <a:r>
+                        <a:rPr lang="en-US" altLang="ko-KR" sz="1050" u="none" strike="noStrike" dirty="0">
+                          <a:effectLst/>
+                        </a:rPr>
+                        <a:t>, </a:t>
+                      </a:r>
+                      <a:r>
+                        <a:rPr lang="ko-KR" altLang="en-US" sz="1050" u="none" strike="noStrike" dirty="0">
+                          <a:effectLst/>
+                        </a:rPr>
+                        <a:t>급성호흡곤란증후군 등 </a:t>
+                      </a:r>
+                      <a:endParaRPr lang="en-US" altLang="ko-KR" sz="1050" u="none" strike="noStrike" dirty="0">
+                        <a:effectLst/>
+                      </a:endParaRPr>
+                    </a:p>
+                    <a:p>
+                      <a:pPr algn="l" fontAlgn="ctr"/>
+                      <a:r>
+                        <a:rPr lang="ko-KR" altLang="en-US" sz="1050" u="none" strike="noStrike" dirty="0">
+                          <a:effectLst/>
+                        </a:rPr>
+                        <a:t>다양하게 경증에서 중증까지 호흡기감염증이 나타남</a:t>
+                      </a:r>
+                      <a:br>
+                        <a:rPr lang="ko-KR" altLang="en-US" sz="1050" u="none" strike="noStrike" dirty="0">
+                          <a:effectLst/>
+                        </a:rPr>
+                      </a:br>
+                      <a:r>
+                        <a:rPr lang="ko-KR" altLang="en-US" sz="1050" u="none" strike="noStrike" dirty="0">
+                          <a:effectLst/>
+                        </a:rPr>
+                        <a:t> 드물게는 객담</a:t>
+                      </a:r>
+                      <a:r>
+                        <a:rPr lang="en-US" altLang="ko-KR" sz="1050" u="none" strike="noStrike" dirty="0">
+                          <a:effectLst/>
+                        </a:rPr>
+                        <a:t>, </a:t>
+                      </a:r>
+                      <a:r>
+                        <a:rPr lang="ko-KR" altLang="en-US" sz="1050" u="none" strike="noStrike" dirty="0">
+                          <a:effectLst/>
+                        </a:rPr>
+                        <a:t>인후통</a:t>
+                      </a:r>
+                      <a:r>
+                        <a:rPr lang="en-US" altLang="ko-KR" sz="1050" u="none" strike="noStrike" dirty="0">
+                          <a:effectLst/>
+                        </a:rPr>
+                        <a:t>, </a:t>
+                      </a:r>
+                      <a:r>
+                        <a:rPr lang="ko-KR" altLang="en-US" sz="1050" u="none" strike="noStrike" dirty="0">
+                          <a:effectLst/>
+                        </a:rPr>
+                        <a:t>두통</a:t>
+                      </a:r>
+                      <a:r>
+                        <a:rPr lang="en-US" altLang="ko-KR" sz="1050" u="none" strike="noStrike" dirty="0">
+                          <a:effectLst/>
+                        </a:rPr>
+                        <a:t>, </a:t>
+                      </a:r>
+                      <a:r>
+                        <a:rPr lang="ko-KR" altLang="en-US" sz="1050" u="none" strike="noStrike" dirty="0">
+                          <a:effectLst/>
+                        </a:rPr>
+                        <a:t>객혈과 오심</a:t>
+                      </a:r>
+                      <a:r>
+                        <a:rPr lang="en-US" altLang="ko-KR" sz="1050" u="none" strike="noStrike" dirty="0">
+                          <a:effectLst/>
+                        </a:rPr>
+                        <a:t>, </a:t>
+                      </a:r>
+                      <a:r>
+                        <a:rPr lang="ko-KR" altLang="en-US" sz="1050" u="none" strike="noStrike" dirty="0">
+                          <a:effectLst/>
+                        </a:rPr>
+                        <a:t>설사도 나타남</a:t>
+                      </a:r>
+                      <a:endParaRPr lang="ko-KR" altLang="en-US" sz="1050" b="0" i="0" u="none" strike="noStrike" dirty="0">
+                        <a:solidFill>
+                          <a:srgbClr val="000000"/>
+                        </a:solidFill>
+                        <a:effectLst/>
+                        <a:latin typeface="맑은 고딕" panose="020B0503020000020004" pitchFamily="50" charset="-127"/>
+                        <a:ea typeface="맑은 고딕" panose="020B0503020000020004" pitchFamily="50" charset="-127"/>
+                      </a:endParaRPr>
+                    </a:p>
+                  </a:txBody>
+                  <a:tcPr marL="4689" marR="4689" marT="4689" marB="0" anchor="ctr"/>
+                </a:tc>
+                <a:extLst>
+                  <a:ext uri="{0D108BD9-81ED-4DB2-BD59-A6C34878D82A}">
+                    <a16:rowId xmlns:a16="http://schemas.microsoft.com/office/drawing/2014/main" val="2836066347"/>
+                  </a:ext>
+                </a:extLst>
+              </a:tr>
+              <a:tr h="830519">
+                <a:tc>
+                  <a:txBody>
+                    <a:bodyPr/>
+                    <a:lstStyle/>
+                    <a:p>
+                      <a:pPr algn="l" fontAlgn="ctr"/>
+                      <a:r>
+                        <a:rPr lang="ko-KR" altLang="en-US" sz="1050" u="none" strike="noStrike" dirty="0">
+                          <a:effectLst/>
+                        </a:rPr>
+                        <a:t> 관리</a:t>
+                      </a:r>
+                      <a:endParaRPr lang="ko-KR" altLang="en-US" sz="1050" b="0" i="0" u="none" strike="noStrike" dirty="0">
+                        <a:solidFill>
+                          <a:srgbClr val="000000"/>
+                        </a:solidFill>
+                        <a:effectLst/>
+                        <a:latin typeface="맑은 고딕" panose="020B0503020000020004" pitchFamily="50" charset="-127"/>
+                        <a:ea typeface="맑은 고딕" panose="020B0503020000020004" pitchFamily="50" charset="-127"/>
+                      </a:endParaRPr>
+                    </a:p>
+                  </a:txBody>
+                  <a:tcPr marL="4689" marR="4689" marT="4689" marB="0" anchor="ctr"/>
+                </a:tc>
+                <a:tc>
+                  <a:txBody>
+                    <a:bodyPr/>
+                    <a:lstStyle/>
+                    <a:p>
+                      <a:pPr algn="l" fontAlgn="ctr"/>
+                      <a:r>
+                        <a:rPr lang="ko-KR" altLang="en-US" sz="1050" u="none" strike="noStrike" dirty="0">
+                          <a:effectLst/>
+                        </a:rPr>
+                        <a:t> 환자 관리</a:t>
+                      </a:r>
+                      <a:br>
+                        <a:rPr lang="ko-KR" altLang="en-US" sz="1050" u="none" strike="noStrike" dirty="0">
+                          <a:effectLst/>
+                        </a:rPr>
+                      </a:br>
+                      <a:r>
+                        <a:rPr lang="ko-KR" altLang="en-US" sz="1050" u="none" strike="noStrike" dirty="0">
+                          <a:effectLst/>
+                        </a:rPr>
+                        <a:t> * 표준주의</a:t>
+                      </a:r>
+                      <a:r>
+                        <a:rPr lang="en-US" altLang="ko-KR" sz="1050" u="none" strike="noStrike" dirty="0">
+                          <a:effectLst/>
+                        </a:rPr>
+                        <a:t>, </a:t>
+                      </a:r>
+                      <a:r>
+                        <a:rPr lang="ko-KR" altLang="en-US" sz="1050" u="none" strike="noStrike" dirty="0">
+                          <a:effectLst/>
+                        </a:rPr>
+                        <a:t>비말주의</a:t>
+                      </a:r>
+                      <a:r>
+                        <a:rPr lang="en-US" altLang="ko-KR" sz="1050" u="none" strike="noStrike" dirty="0">
+                          <a:effectLst/>
+                        </a:rPr>
+                        <a:t>, </a:t>
+                      </a:r>
+                      <a:r>
+                        <a:rPr lang="ko-KR" altLang="en-US" sz="1050" u="none" strike="noStrike" dirty="0">
+                          <a:effectLst/>
+                        </a:rPr>
+                        <a:t>접촉주의 준수</a:t>
+                      </a:r>
+                      <a:br>
+                        <a:rPr lang="ko-KR" altLang="en-US" sz="1050" u="none" strike="noStrike" dirty="0">
+                          <a:effectLst/>
+                        </a:rPr>
+                      </a:br>
+                      <a:r>
+                        <a:rPr lang="ko-KR" altLang="en-US" sz="1050" u="none" strike="noStrike" dirty="0">
+                          <a:effectLst/>
+                        </a:rPr>
+                        <a:t> * 증상이 있는 동안 가급적 집에서 휴식을 취하고 </a:t>
+                      </a:r>
+                      <a:endParaRPr lang="en-US" altLang="ko-KR" sz="1050" u="none" strike="noStrike" dirty="0">
+                        <a:effectLst/>
+                      </a:endParaRPr>
+                    </a:p>
+                    <a:p>
+                      <a:pPr algn="l" fontAlgn="ctr"/>
+                      <a:r>
+                        <a:rPr lang="ko-KR" altLang="en-US" sz="1050" u="none" strike="noStrike" dirty="0">
+                          <a:effectLst/>
+                        </a:rPr>
+                        <a:t>    다른 사람과 접촉을 피하도록 권고</a:t>
+                      </a:r>
+                      <a:endParaRPr lang="en-US" altLang="ko-KR" sz="1050" u="none" strike="noStrike" dirty="0">
+                        <a:effectLst/>
+                      </a:endParaRPr>
+                    </a:p>
+                    <a:p>
+                      <a:pPr algn="l" fontAlgn="ctr"/>
+                      <a:r>
+                        <a:rPr lang="ko-KR" altLang="en-US" sz="600" u="none" strike="noStrike" dirty="0">
+                          <a:effectLst/>
+                        </a:rPr>
+                        <a:t> </a:t>
+                      </a:r>
+                      <a:br>
+                        <a:rPr lang="ko-KR" altLang="en-US" sz="1050" u="none" strike="noStrike" dirty="0">
+                          <a:effectLst/>
+                        </a:rPr>
+                      </a:br>
+                      <a:r>
+                        <a:rPr lang="ko-KR" altLang="en-US" sz="1050" u="none" strike="noStrike" dirty="0">
+                          <a:effectLst/>
+                        </a:rPr>
+                        <a:t> </a:t>
+                      </a:r>
+                      <a:r>
+                        <a:rPr lang="ko-KR" altLang="en-US" sz="1050" u="none" strike="noStrike" dirty="0" err="1">
+                          <a:effectLst/>
+                        </a:rPr>
+                        <a:t>접촉자</a:t>
+                      </a:r>
+                      <a:r>
+                        <a:rPr lang="ko-KR" altLang="en-US" sz="1050" u="none" strike="noStrike" dirty="0">
+                          <a:effectLst/>
+                        </a:rPr>
+                        <a:t> 관리</a:t>
+                      </a:r>
+                      <a:br>
+                        <a:rPr lang="ko-KR" altLang="en-US" sz="1050" u="none" strike="noStrike" dirty="0">
+                          <a:effectLst/>
+                        </a:rPr>
+                      </a:br>
+                      <a:r>
+                        <a:rPr lang="ko-KR" altLang="en-US" sz="1050" u="none" strike="noStrike" dirty="0">
+                          <a:effectLst/>
+                        </a:rPr>
+                        <a:t> * 감염증상 발생 여부 관찰</a:t>
+                      </a:r>
+                      <a:endParaRPr lang="ko-KR" altLang="en-US" sz="1050" b="0" i="0" u="none" strike="noStrike" dirty="0">
+                        <a:solidFill>
+                          <a:srgbClr val="000000"/>
+                        </a:solidFill>
+                        <a:effectLst/>
+                        <a:latin typeface="맑은 고딕" panose="020B0503020000020004" pitchFamily="50" charset="-127"/>
+                        <a:ea typeface="맑은 고딕" panose="020B0503020000020004" pitchFamily="50" charset="-127"/>
+                      </a:endParaRPr>
+                    </a:p>
+                  </a:txBody>
+                  <a:tcPr marL="4689" marR="4689" marT="4689" marB="0" anchor="ctr"/>
+                </a:tc>
+                <a:extLst>
+                  <a:ext uri="{0D108BD9-81ED-4DB2-BD59-A6C34878D82A}">
+                    <a16:rowId xmlns:a16="http://schemas.microsoft.com/office/drawing/2014/main" val="864884176"/>
+                  </a:ext>
+                </a:extLst>
+              </a:tr>
+              <a:tr h="1492955">
+                <a:tc>
+                  <a:txBody>
+                    <a:bodyPr/>
+                    <a:lstStyle/>
+                    <a:p>
+                      <a:pPr algn="l" fontAlgn="ctr"/>
+                      <a:r>
+                        <a:rPr lang="ko-KR" altLang="en-US" sz="1050" u="none" strike="noStrike" dirty="0">
+                          <a:effectLst/>
+                        </a:rPr>
+                        <a:t> 예방</a:t>
+                      </a:r>
+                      <a:endParaRPr lang="ko-KR" altLang="en-US" sz="1050" b="0" i="0" u="none" strike="noStrike" dirty="0">
+                        <a:solidFill>
+                          <a:srgbClr val="000000"/>
+                        </a:solidFill>
+                        <a:effectLst/>
+                        <a:latin typeface="맑은 고딕" panose="020B0503020000020004" pitchFamily="50" charset="-127"/>
+                        <a:ea typeface="맑은 고딕" panose="020B0503020000020004" pitchFamily="50" charset="-127"/>
+                      </a:endParaRPr>
+                    </a:p>
+                  </a:txBody>
+                  <a:tcPr marL="4689" marR="4689" marT="4689" marB="0" anchor="ctr"/>
+                </a:tc>
+                <a:tc>
+                  <a:txBody>
+                    <a:bodyPr/>
+                    <a:lstStyle/>
+                    <a:p>
+                      <a:pPr algn="l" fontAlgn="ctr"/>
+                      <a:r>
+                        <a:rPr lang="ko-KR" altLang="en-US" sz="1050" u="none" strike="noStrike" dirty="0">
+                          <a:effectLst/>
+                        </a:rPr>
+                        <a:t> * 백신 없음</a:t>
+                      </a:r>
+                      <a:br>
+                        <a:rPr lang="ko-KR" altLang="en-US" sz="1050" u="none" strike="noStrike" dirty="0">
+                          <a:effectLst/>
+                        </a:rPr>
+                      </a:br>
+                      <a:r>
+                        <a:rPr lang="ko-KR" altLang="en-US" sz="1050" u="none" strike="noStrike" dirty="0">
+                          <a:effectLst/>
+                        </a:rPr>
+                        <a:t> * 올바른 손 씻기</a:t>
+                      </a:r>
+                      <a:br>
+                        <a:rPr lang="ko-KR" altLang="en-US" sz="1050" u="none" strike="noStrike" dirty="0">
+                          <a:effectLst/>
+                        </a:rPr>
+                      </a:br>
+                      <a:r>
+                        <a:rPr lang="ko-KR" altLang="en-US" sz="1050" u="none" strike="noStrike" dirty="0">
+                          <a:effectLst/>
+                        </a:rPr>
+                        <a:t>  </a:t>
+                      </a:r>
+                      <a:r>
+                        <a:rPr lang="en-US" altLang="ko-KR" sz="1050" u="none" strike="noStrike" dirty="0">
+                          <a:effectLst/>
+                        </a:rPr>
+                        <a:t>- </a:t>
+                      </a:r>
+                      <a:r>
+                        <a:rPr lang="ko-KR" altLang="en-US" sz="1050" u="none" strike="noStrike" dirty="0">
+                          <a:effectLst/>
+                        </a:rPr>
+                        <a:t>흐르는 물에 비누로 </a:t>
+                      </a:r>
+                      <a:r>
+                        <a:rPr lang="en-US" altLang="ko-KR" sz="1050" u="none" strike="noStrike" dirty="0">
+                          <a:effectLst/>
+                        </a:rPr>
+                        <a:t>30</a:t>
+                      </a:r>
+                      <a:r>
+                        <a:rPr lang="ko-KR" altLang="en-US" sz="1050" u="none" strike="noStrike" dirty="0">
+                          <a:effectLst/>
+                        </a:rPr>
+                        <a:t>초 이상 손 씻기</a:t>
+                      </a:r>
+                      <a:br>
+                        <a:rPr lang="ko-KR" altLang="en-US" sz="1050" u="none" strike="noStrike" dirty="0">
+                          <a:effectLst/>
+                        </a:rPr>
+                      </a:br>
+                      <a:r>
+                        <a:rPr lang="ko-KR" altLang="en-US" sz="1050" u="none" strike="noStrike" dirty="0">
+                          <a:effectLst/>
+                        </a:rPr>
+                        <a:t>  </a:t>
+                      </a:r>
+                      <a:r>
+                        <a:rPr lang="en-US" altLang="ko-KR" sz="1050" u="none" strike="noStrike" dirty="0">
+                          <a:effectLst/>
+                        </a:rPr>
+                        <a:t>- </a:t>
+                      </a:r>
+                      <a:r>
+                        <a:rPr lang="ko-KR" altLang="en-US" sz="1050" u="none" strike="noStrike" dirty="0">
+                          <a:effectLst/>
+                        </a:rPr>
+                        <a:t>외출 후</a:t>
+                      </a:r>
+                      <a:r>
+                        <a:rPr lang="en-US" altLang="ko-KR" sz="1050" u="none" strike="noStrike" dirty="0">
+                          <a:effectLst/>
+                        </a:rPr>
+                        <a:t>, </a:t>
+                      </a:r>
+                      <a:r>
+                        <a:rPr lang="ko-KR" altLang="en-US" sz="1050" u="none" strike="noStrike" dirty="0">
+                          <a:effectLst/>
+                        </a:rPr>
+                        <a:t>배변 후</a:t>
+                      </a:r>
+                      <a:r>
+                        <a:rPr lang="en-US" altLang="ko-KR" sz="1050" u="none" strike="noStrike" dirty="0">
+                          <a:effectLst/>
+                        </a:rPr>
+                        <a:t>, </a:t>
+                      </a:r>
+                      <a:r>
+                        <a:rPr lang="ko-KR" altLang="en-US" sz="1050" u="none" strike="noStrike" dirty="0">
+                          <a:effectLst/>
+                        </a:rPr>
+                        <a:t>식사 전</a:t>
+                      </a:r>
+                      <a:r>
+                        <a:rPr lang="en-US" altLang="ko-KR" sz="1050" u="none" strike="noStrike" dirty="0">
+                          <a:effectLst/>
+                        </a:rPr>
+                        <a:t>·</a:t>
+                      </a:r>
+                      <a:r>
+                        <a:rPr lang="ko-KR" altLang="en-US" sz="1050" u="none" strike="noStrike" dirty="0">
+                          <a:effectLst/>
+                        </a:rPr>
+                        <a:t>후</a:t>
+                      </a:r>
+                      <a:r>
+                        <a:rPr lang="en-US" altLang="ko-KR" sz="1050" u="none" strike="noStrike" dirty="0">
+                          <a:effectLst/>
+                        </a:rPr>
+                        <a:t>, </a:t>
+                      </a:r>
+                      <a:r>
+                        <a:rPr lang="ko-KR" altLang="en-US" sz="1050" u="none" strike="noStrike" dirty="0">
+                          <a:effectLst/>
+                        </a:rPr>
+                        <a:t>기저귀 교체 전</a:t>
+                      </a:r>
+                      <a:r>
+                        <a:rPr lang="en-US" altLang="ko-KR" sz="1050" u="none" strike="noStrike" dirty="0">
+                          <a:effectLst/>
+                        </a:rPr>
+                        <a:t>·</a:t>
+                      </a:r>
+                      <a:r>
+                        <a:rPr lang="ko-KR" altLang="en-US" sz="1050" u="none" strike="noStrike" dirty="0">
+                          <a:effectLst/>
+                        </a:rPr>
+                        <a:t>후</a:t>
+                      </a:r>
+                      <a:r>
+                        <a:rPr lang="en-US" altLang="ko-KR" sz="1050" u="none" strike="noStrike" dirty="0">
+                          <a:effectLst/>
+                        </a:rPr>
+                        <a:t>, </a:t>
+                      </a:r>
+                    </a:p>
+                    <a:p>
+                      <a:pPr algn="l" fontAlgn="ctr"/>
+                      <a:r>
+                        <a:rPr lang="en-US" altLang="ko-KR" sz="1050" u="none" strike="noStrike" dirty="0">
+                          <a:effectLst/>
+                        </a:rPr>
+                        <a:t>    </a:t>
+                      </a:r>
+                      <a:r>
+                        <a:rPr lang="ko-KR" altLang="en-US" sz="1050" u="none" strike="noStrike" dirty="0">
+                          <a:effectLst/>
+                        </a:rPr>
+                        <a:t>코를 풀거나 기침</a:t>
+                      </a:r>
+                      <a:r>
+                        <a:rPr lang="en-US" altLang="ko-KR" sz="1050" u="none" strike="noStrike" dirty="0">
+                          <a:effectLst/>
+                        </a:rPr>
+                        <a:t>, </a:t>
+                      </a:r>
+                      <a:r>
+                        <a:rPr lang="ko-KR" altLang="en-US" sz="1050" u="none" strike="noStrike" dirty="0">
+                          <a:effectLst/>
+                        </a:rPr>
+                        <a:t>재채기 후 등 실시</a:t>
+                      </a:r>
+                      <a:br>
+                        <a:rPr lang="ko-KR" altLang="en-US" sz="1050" u="none" strike="noStrike" dirty="0">
+                          <a:effectLst/>
+                        </a:rPr>
+                      </a:br>
+                      <a:r>
+                        <a:rPr lang="ko-KR" altLang="en-US" sz="1050" u="none" strike="noStrike" dirty="0">
+                          <a:effectLst/>
+                        </a:rPr>
+                        <a:t> * 기침 예절 준수</a:t>
+                      </a:r>
+                      <a:br>
+                        <a:rPr lang="ko-KR" altLang="en-US" sz="1050" u="none" strike="noStrike" dirty="0">
+                          <a:effectLst/>
+                        </a:rPr>
+                      </a:br>
+                      <a:r>
+                        <a:rPr lang="ko-KR" altLang="en-US" sz="1050" u="none" strike="noStrike" dirty="0">
+                          <a:effectLst/>
+                        </a:rPr>
+                        <a:t>  </a:t>
+                      </a:r>
+                      <a:r>
+                        <a:rPr lang="en-US" altLang="ko-KR" sz="1050" u="none" strike="noStrike" dirty="0">
+                          <a:effectLst/>
+                        </a:rPr>
+                        <a:t>- </a:t>
+                      </a:r>
+                      <a:r>
+                        <a:rPr lang="ko-KR" altLang="en-US" sz="1050" u="none" strike="noStrike" dirty="0">
+                          <a:effectLst/>
+                        </a:rPr>
+                        <a:t>기침할 때는 휴지나 옷소매 위쪽으로 입과 코를 가리고 하기</a:t>
+                      </a:r>
+                      <a:br>
+                        <a:rPr lang="ko-KR" altLang="en-US" sz="1050" u="none" strike="noStrike" dirty="0">
+                          <a:effectLst/>
+                        </a:rPr>
+                      </a:br>
+                      <a:r>
+                        <a:rPr lang="ko-KR" altLang="en-US" sz="1050" u="none" strike="noStrike" dirty="0">
+                          <a:effectLst/>
+                        </a:rPr>
+                        <a:t>  </a:t>
+                      </a:r>
+                      <a:r>
+                        <a:rPr lang="en-US" altLang="ko-KR" sz="1050" u="none" strike="noStrike" dirty="0">
+                          <a:effectLst/>
+                        </a:rPr>
+                        <a:t>- </a:t>
+                      </a:r>
+                      <a:r>
+                        <a:rPr lang="ko-KR" altLang="en-US" sz="1050" u="none" strike="noStrike" dirty="0">
+                          <a:effectLst/>
+                        </a:rPr>
+                        <a:t>호흡기 증상이 있는 경우 마스크 착용</a:t>
+                      </a:r>
+                      <a:br>
+                        <a:rPr lang="ko-KR" altLang="en-US" sz="1050" u="none" strike="noStrike" dirty="0">
+                          <a:effectLst/>
+                        </a:rPr>
+                      </a:br>
+                      <a:r>
+                        <a:rPr lang="ko-KR" altLang="en-US" sz="1050" u="none" strike="noStrike" dirty="0">
+                          <a:effectLst/>
+                        </a:rPr>
+                        <a:t> * 씻지 않은 손으로 눈</a:t>
+                      </a:r>
+                      <a:r>
+                        <a:rPr lang="en-US" altLang="ko-KR" sz="1050" u="none" strike="noStrike" dirty="0">
+                          <a:effectLst/>
+                        </a:rPr>
+                        <a:t>, </a:t>
+                      </a:r>
+                      <a:r>
+                        <a:rPr lang="ko-KR" altLang="en-US" sz="1050" u="none" strike="noStrike" dirty="0">
+                          <a:effectLst/>
+                        </a:rPr>
+                        <a:t>코</a:t>
+                      </a:r>
+                      <a:r>
+                        <a:rPr lang="en-US" altLang="ko-KR" sz="1050" u="none" strike="noStrike" dirty="0">
+                          <a:effectLst/>
+                        </a:rPr>
+                        <a:t>, </a:t>
+                      </a:r>
+                      <a:r>
+                        <a:rPr lang="ko-KR" altLang="en-US" sz="1050" u="none" strike="noStrike" dirty="0">
+                          <a:effectLst/>
+                        </a:rPr>
+                        <a:t>입 만지지 않기</a:t>
+                      </a:r>
+                      <a:endParaRPr lang="ko-KR" altLang="en-US" sz="1050" b="0" i="0" u="none" strike="noStrike" dirty="0">
+                        <a:solidFill>
+                          <a:srgbClr val="000000"/>
+                        </a:solidFill>
+                        <a:effectLst/>
+                        <a:latin typeface="맑은 고딕" panose="020B0503020000020004" pitchFamily="50" charset="-127"/>
+                        <a:ea typeface="맑은 고딕" panose="020B0503020000020004" pitchFamily="50" charset="-127"/>
+                      </a:endParaRPr>
+                    </a:p>
+                  </a:txBody>
+                  <a:tcPr marL="4689" marR="4689" marT="4689" marB="0" anchor="ctr"/>
+                </a:tc>
+                <a:extLst>
+                  <a:ext uri="{0D108BD9-81ED-4DB2-BD59-A6C34878D82A}">
+                    <a16:rowId xmlns:a16="http://schemas.microsoft.com/office/drawing/2014/main" val="3440449012"/>
+                  </a:ext>
+                </a:extLst>
+              </a:tr>
+            </a:tbl>
+          </a:graphicData>
+        </a:graphic>
+      </p:graphicFrame>
+    </p:spTree>
+    <p:extLst>
+      <p:ext uri="{BB962C8B-B14F-4D97-AF65-F5344CB8AC3E}">
+        <p14:creationId xmlns:p14="http://schemas.microsoft.com/office/powerpoint/2010/main" val="541393350"/>
+      </p:ext>
+    </p:extLst>
+  </p:cSld>
+  <p:clrMapOvr>
+    <a:masterClrMapping/>
+  </p:clrMapOvr>
+</p:sld>
+</file>
+
+<file path=ppt/slides/slide3.xml><?xml version="1.0" encoding="utf-8"?>
+<p:sld xmlns:a="http://schemas.openxmlformats.org/drawingml/2006/main" xmlns:r="http://schemas.openxmlformats.org/officeDocument/2006/relationships" xmlns:p="http://schemas.openxmlformats.org/presentationml/2006/main">
+  <p:cSld>
+    <p:spTree>
+      <p:nvGrpSpPr>
+        <p:cNvPr id="1" name=""/>
+        <p:cNvGrpSpPr/>
+        <p:nvPr/>
+      </p:nvGrpSpPr>
+      <p:grpSpPr>
+        <a:xfrm>
+          <a:off x="0" y="0"/>
+          <a:ext cx="0" cy="0"/>
+          <a:chOff x="0" y="0"/>
+          <a:chExt cx="0" cy="0"/>
+        </a:xfrm>
+      </p:grpSpPr>
+      <p:sp>
+        <p:nvSpPr>
           <p:cNvPr id="2" name="TextBox 1">
             <a:extLst>
               <a:ext uri="{FF2B5EF4-FFF2-40B4-BE49-F238E27FC236}">
@@ -4078,7 +5373,7 @@
 </p:sld>
 </file>
 
-<file path=ppt/slides/slide3.xml><?xml version="1.0" encoding="utf-8"?>
+<file path=ppt/slides/slide4.xml><?xml version="1.0" encoding="utf-8"?>
 <p:sld xmlns:a="http://schemas.openxmlformats.org/drawingml/2006/main" xmlns:r="http://schemas.openxmlformats.org/officeDocument/2006/relationships" xmlns:p="http://schemas.openxmlformats.org/presentationml/2006/main">
   <p:cSld>
     <p:spTree>

--- a/PROJECT2-Corona19.pptx
+++ b/PROJECT2-Corona19.pptx
@@ -3494,7 +3494,7 @@
         </p:nvSpPr>
         <p:spPr>
           <a:xfrm>
-            <a:off x="330703" y="655093"/>
+            <a:off x="302711" y="96139"/>
             <a:ext cx="5532092" cy="400110"/>
           </a:xfrm>
           <a:prstGeom prst="rect">
@@ -3648,14 +3648,14 @@
           <p:nvPr>
             <p:extLst>
               <p:ext uri="{D42A27DB-BD31-4B8C-83A1-F6EECF244321}">
-                <p14:modId xmlns:p14="http://schemas.microsoft.com/office/powerpoint/2010/main" val="117685261"/>
+                <p14:modId xmlns:p14="http://schemas.microsoft.com/office/powerpoint/2010/main" val="1239407742"/>
               </p:ext>
             </p:extLst>
           </p:nvPr>
         </p:nvGraphicFramePr>
         <p:xfrm>
-          <a:off x="424009" y="1205691"/>
-          <a:ext cx="4754481" cy="5002014"/>
+          <a:off x="424009" y="1250302"/>
+          <a:ext cx="4754481" cy="5313864"/>
         </p:xfrm>
         <a:graphic>
           <a:graphicData uri="http://schemas.openxmlformats.org/drawingml/2006/table">
@@ -3679,7 +3679,7 @@
                   </a:extLst>
                 </a:gridCol>
               </a:tblGrid>
-              <a:tr h="149295">
+              <a:tr h="317241">
                 <a:tc>
                   <a:txBody>
                     <a:bodyPr/>
@@ -3717,18 +3717,30 @@
                         <a:t> </a:t>
                       </a:r>
                       <a:r>
+                        <a:rPr lang="en-US" altLang="ko-KR" sz="1200" b="1" u="none" strike="noStrike" dirty="0">
+                          <a:effectLst/>
+                        </a:rPr>
+                        <a:t>SARS-CoV-2</a:t>
+                      </a:r>
+                      <a:r>
                         <a:rPr lang="en-US" altLang="ko-KR" sz="1050" u="none" strike="noStrike" dirty="0">
                           <a:effectLst/>
                         </a:rPr>
-                        <a:t>SARS-CoV-2 </a:t>
-                      </a:r>
-                      <a:r>
-                        <a:rPr lang="ko-KR" altLang="en-US" sz="1050" u="none" strike="noStrike" dirty="0">
-                          <a:effectLst/>
-                        </a:rPr>
-                        <a:t>감염에 의한 호흡기 증후군</a:t>
-                      </a:r>
-                      <a:endParaRPr lang="ko-KR" altLang="en-US" sz="1050" b="0" i="0" u="none" strike="noStrike" dirty="0">
+                        <a:t> </a:t>
+                      </a:r>
+                      <a:r>
+                        <a:rPr lang="ko-KR" altLang="en-US" sz="1050" u="none" strike="noStrike" dirty="0">
+                          <a:effectLst/>
+                        </a:rPr>
+                        <a:t>감염에 의한 </a:t>
+                      </a:r>
+                      <a:r>
+                        <a:rPr lang="ko-KR" altLang="en-US" sz="1200" b="1" u="none" strike="noStrike" dirty="0">
+                          <a:effectLst/>
+                        </a:rPr>
+                        <a:t>호흡기 증후군</a:t>
+                      </a:r>
+                      <a:endParaRPr lang="ko-KR" altLang="en-US" sz="1050" b="1" i="0" u="none" strike="noStrike" dirty="0">
                         <a:solidFill>
                           <a:srgbClr val="000000"/>
                         </a:solidFill>
@@ -3746,7 +3758,7 @@
                   </a:ext>
                 </a:extLst>
               </a:tr>
-              <a:tr h="473656">
+              <a:tr h="500714">
                 <a:tc>
                   <a:txBody>
                     <a:bodyPr/>
@@ -3859,7 +3871,7 @@
                   </a:ext>
                 </a:extLst>
               </a:tr>
-              <a:tr h="252085">
+              <a:tr h="260388">
                 <a:tc>
                   <a:txBody>
                     <a:bodyPr/>
@@ -3956,7 +3968,7 @@
                   </a:ext>
                 </a:extLst>
               </a:tr>
-              <a:tr h="746478">
+              <a:tr h="831295">
                 <a:tc>
                   <a:txBody>
                     <a:bodyPr/>
@@ -4098,7 +4110,7 @@
                   </a:ext>
                 </a:extLst>
               </a:tr>
-              <a:tr h="746478">
+              <a:tr h="771063">
                 <a:tc>
                   <a:txBody>
                     <a:bodyPr/>
@@ -4272,7 +4284,7 @@
                   </a:ext>
                 </a:extLst>
               </a:tr>
-              <a:tr h="830519">
+              <a:tr h="1091037">
                 <a:tc>
                   <a:txBody>
                     <a:bodyPr/>
@@ -4431,7 +4443,7 @@
                   </a:ext>
                 </a:extLst>
               </a:tr>
-              <a:tr h="1492955">
+              <a:tr h="1542126">
                 <a:tc>
                   <a:txBody>
                     <a:bodyPr/>
@@ -4744,6 +4756,45 @@
           </a:graphicData>
         </a:graphic>
       </p:graphicFrame>
+      <p:sp>
+        <p:nvSpPr>
+          <p:cNvPr id="11" name="TextBox 10">
+            <a:extLst>
+              <a:ext uri="{FF2B5EF4-FFF2-40B4-BE49-F238E27FC236}">
+                <a16:creationId xmlns:a16="http://schemas.microsoft.com/office/drawing/2014/main" id="{D1F11D9B-D596-4F76-8E97-E08703298B46}"/>
+              </a:ext>
+            </a:extLst>
+          </p:cNvPr>
+          <p:cNvSpPr txBox="1"/>
+          <p:nvPr/>
+        </p:nvSpPr>
+        <p:spPr>
+          <a:xfrm>
+            <a:off x="3644615" y="942525"/>
+            <a:ext cx="1620957" cy="307777"/>
+          </a:xfrm>
+          <a:prstGeom prst="rect">
+            <a:avLst/>
+          </a:prstGeom>
+          <a:noFill/>
+        </p:spPr>
+        <p:txBody>
+          <a:bodyPr wrap="none" rtlCol="0">
+            <a:spAutoFit/>
+          </a:bodyPr>
+          <a:lstStyle/>
+          <a:p>
+            <a:r>
+              <a:rPr lang="en-US" altLang="ko-KR" sz="1400" dirty="0"/>
+              <a:t>* 2020.02.04 </a:t>
+            </a:r>
+            <a:r>
+              <a:rPr lang="ko-KR" altLang="en-US" sz="1400" dirty="0"/>
+              <a:t>기준</a:t>
+            </a:r>
+          </a:p>
+        </p:txBody>
+      </p:sp>
     </p:spTree>
     <p:extLst>
       <p:ext uri="{BB962C8B-B14F-4D97-AF65-F5344CB8AC3E}">

--- a/PROJECT2-Corona19.pptx
+++ b/PROJECT2-Corona19.pptx
@@ -4792,6 +4792,277 @@
               <a:rPr lang="ko-KR" altLang="en-US" sz="1400" dirty="0"/>
               <a:t>기준</a:t>
             </a:r>
+          </a:p>
+        </p:txBody>
+      </p:sp>
+      <p:sp>
+        <p:nvSpPr>
+          <p:cNvPr id="2" name="직사각형 1">
+            <a:extLst>
+              <a:ext uri="{FF2B5EF4-FFF2-40B4-BE49-F238E27FC236}">
+                <a16:creationId xmlns:a16="http://schemas.microsoft.com/office/drawing/2014/main" id="{DD082392-09A6-4F3A-B230-91D834D36155}"/>
+              </a:ext>
+            </a:extLst>
+          </p:cNvPr>
+          <p:cNvSpPr/>
+          <p:nvPr/>
+        </p:nvSpPr>
+        <p:spPr>
+          <a:xfrm>
+            <a:off x="5715394" y="1329678"/>
+            <a:ext cx="6357197" cy="1277273"/>
+          </a:xfrm>
+          <a:prstGeom prst="rect">
+            <a:avLst/>
+          </a:prstGeom>
+        </p:spPr>
+        <p:txBody>
+          <a:bodyPr wrap="square">
+            <a:spAutoFit/>
+          </a:bodyPr>
+          <a:lstStyle/>
+          <a:p>
+            <a:r>
+              <a:rPr lang="ko-KR" altLang="en-US" dirty="0">
+                <a:solidFill>
+                  <a:srgbClr val="222222"/>
+                </a:solidFill>
+                <a:latin typeface="Noto Sans KR"/>
+              </a:rPr>
+              <a:t>사람감염 코로나 바이러스 </a:t>
+            </a:r>
+            <a:r>
+              <a:rPr lang="en-US" altLang="ko-KR" dirty="0">
+                <a:solidFill>
+                  <a:srgbClr val="222222"/>
+                </a:solidFill>
+                <a:latin typeface="Noto Sans KR"/>
+              </a:rPr>
+              <a:t>(</a:t>
+            </a:r>
+            <a:r>
+              <a:rPr lang="ko-KR" altLang="en-US" dirty="0">
+                <a:solidFill>
+                  <a:srgbClr val="222222"/>
+                </a:solidFill>
+                <a:latin typeface="Noto Sans KR"/>
+              </a:rPr>
+              <a:t>알파</a:t>
+            </a:r>
+            <a:r>
+              <a:rPr lang="en-US" altLang="ko-KR" dirty="0">
+                <a:solidFill>
+                  <a:srgbClr val="222222"/>
+                </a:solidFill>
+                <a:latin typeface="Noto Sans KR"/>
+              </a:rPr>
+              <a:t>, </a:t>
+            </a:r>
+            <a:r>
+              <a:rPr lang="ko-KR" altLang="en-US" dirty="0">
+                <a:solidFill>
+                  <a:srgbClr val="222222"/>
+                </a:solidFill>
+                <a:latin typeface="Noto Sans KR"/>
+              </a:rPr>
+              <a:t>베타</a:t>
+            </a:r>
+            <a:r>
+              <a:rPr lang="en-US" altLang="ko-KR" dirty="0">
+                <a:solidFill>
+                  <a:srgbClr val="222222"/>
+                </a:solidFill>
+                <a:latin typeface="Noto Sans KR"/>
+              </a:rPr>
+              <a:t>)</a:t>
+            </a:r>
+          </a:p>
+          <a:p>
+            <a:endParaRPr lang="ko-KR" altLang="en-US" sz="600" dirty="0">
+              <a:solidFill>
+                <a:srgbClr val="222222"/>
+              </a:solidFill>
+              <a:latin typeface="Noto Sans KR"/>
+            </a:endParaRPr>
+          </a:p>
+          <a:p>
+            <a:r>
+              <a:rPr lang="en-US" altLang="ko-KR" sz="1700" dirty="0">
+                <a:solidFill>
+                  <a:srgbClr val="444444"/>
+                </a:solidFill>
+                <a:latin typeface="Noto Sans KR"/>
+              </a:rPr>
+              <a:t> * </a:t>
+            </a:r>
+            <a:r>
+              <a:rPr lang="ko-KR" altLang="en-US" sz="1700" dirty="0">
+                <a:solidFill>
+                  <a:srgbClr val="444444"/>
+                </a:solidFill>
+                <a:latin typeface="Noto Sans KR"/>
+              </a:rPr>
+              <a:t>사람감염 코로나 바이러스는 현재까지 </a:t>
+            </a:r>
+            <a:r>
+              <a:rPr lang="en-US" altLang="ko-KR" sz="1700" dirty="0">
+                <a:solidFill>
+                  <a:srgbClr val="444444"/>
+                </a:solidFill>
+                <a:latin typeface="Noto Sans KR"/>
+              </a:rPr>
+              <a:t>6</a:t>
+            </a:r>
+            <a:r>
+              <a:rPr lang="ko-KR" altLang="en-US" sz="1700" dirty="0">
+                <a:solidFill>
+                  <a:srgbClr val="444444"/>
+                </a:solidFill>
+                <a:latin typeface="Noto Sans KR"/>
+              </a:rPr>
+              <a:t>종류가 알려져 있음</a:t>
+            </a:r>
+            <a:endParaRPr lang="en-US" altLang="ko-KR" sz="1700" dirty="0">
+              <a:solidFill>
+                <a:srgbClr val="444444"/>
+              </a:solidFill>
+              <a:latin typeface="Noto Sans KR"/>
+            </a:endParaRPr>
+          </a:p>
+          <a:p>
+            <a:endParaRPr lang="en-US" altLang="ko-KR" sz="200" dirty="0">
+              <a:solidFill>
+                <a:srgbClr val="444444"/>
+              </a:solidFill>
+              <a:latin typeface="Noto Sans KR"/>
+            </a:endParaRPr>
+          </a:p>
+          <a:p>
+            <a:endParaRPr lang="en-US" altLang="ko-KR" sz="200" dirty="0">
+              <a:solidFill>
+                <a:srgbClr val="444444"/>
+              </a:solidFill>
+              <a:latin typeface="Noto Sans KR"/>
+            </a:endParaRPr>
+          </a:p>
+          <a:p>
+            <a:r>
+              <a:rPr lang="ko-KR" altLang="en-US" sz="1600" dirty="0">
+                <a:solidFill>
+                  <a:srgbClr val="444444"/>
+                </a:solidFill>
+                <a:latin typeface="inherit"/>
+              </a:rPr>
+              <a:t>  </a:t>
+            </a:r>
+            <a:r>
+              <a:rPr lang="en-US" altLang="ko-KR" sz="1600" dirty="0">
+                <a:solidFill>
+                  <a:srgbClr val="444444"/>
+                </a:solidFill>
+                <a:latin typeface="inherit"/>
+              </a:rPr>
+              <a:t>- </a:t>
+            </a:r>
+            <a:r>
+              <a:rPr lang="ko-KR" altLang="en-US" sz="1600" dirty="0">
+                <a:solidFill>
+                  <a:srgbClr val="444444"/>
+                </a:solidFill>
+                <a:latin typeface="inherit"/>
+              </a:rPr>
+              <a:t>감기를 일으키는 유형</a:t>
+            </a:r>
+            <a:r>
+              <a:rPr lang="en-US" altLang="ko-KR" sz="1600" dirty="0">
+                <a:solidFill>
+                  <a:srgbClr val="444444"/>
+                </a:solidFill>
+                <a:latin typeface="inherit"/>
+              </a:rPr>
+              <a:t>(229E, OC43, NL63, HKU1)</a:t>
+            </a:r>
+          </a:p>
+          <a:p>
+            <a:r>
+              <a:rPr lang="ko-KR" altLang="en-US" sz="1600" dirty="0">
+                <a:solidFill>
+                  <a:srgbClr val="444444"/>
+                </a:solidFill>
+                <a:latin typeface="inherit"/>
+              </a:rPr>
+              <a:t>  </a:t>
+            </a:r>
+            <a:r>
+              <a:rPr lang="en-US" altLang="ko-KR" sz="1600" dirty="0">
+                <a:solidFill>
+                  <a:srgbClr val="444444"/>
+                </a:solidFill>
+                <a:latin typeface="inherit"/>
+              </a:rPr>
+              <a:t>- </a:t>
+            </a:r>
+            <a:r>
+              <a:rPr lang="ko-KR" altLang="en-US" sz="1600" dirty="0">
+                <a:solidFill>
+                  <a:srgbClr val="444444"/>
+                </a:solidFill>
+                <a:latin typeface="inherit"/>
+              </a:rPr>
+              <a:t>중증폐렴을 일으킬 수 있는 유형</a:t>
+            </a:r>
+            <a:r>
+              <a:rPr lang="en-US" altLang="ko-KR" sz="1600" dirty="0">
+                <a:solidFill>
+                  <a:srgbClr val="444444"/>
+                </a:solidFill>
+                <a:latin typeface="inherit"/>
+              </a:rPr>
+              <a:t>(SARS-</a:t>
+            </a:r>
+            <a:r>
+              <a:rPr lang="en-US" altLang="ko-KR" sz="1600" dirty="0" err="1">
+                <a:solidFill>
+                  <a:srgbClr val="444444"/>
+                </a:solidFill>
+                <a:latin typeface="inherit"/>
+              </a:rPr>
+              <a:t>CoV</a:t>
+            </a:r>
+            <a:r>
+              <a:rPr lang="en-US" altLang="ko-KR" sz="1600" dirty="0">
+                <a:solidFill>
+                  <a:srgbClr val="444444"/>
+                </a:solidFill>
+                <a:latin typeface="inherit"/>
+              </a:rPr>
+              <a:t>, MERS-</a:t>
+            </a:r>
+            <a:r>
+              <a:rPr lang="en-US" altLang="ko-KR" sz="1600" dirty="0" err="1">
+                <a:solidFill>
+                  <a:srgbClr val="444444"/>
+                </a:solidFill>
+                <a:latin typeface="inherit"/>
+              </a:rPr>
+              <a:t>CoV</a:t>
+            </a:r>
+            <a:r>
+              <a:rPr lang="en-US" altLang="ko-KR" sz="1600" dirty="0">
+                <a:solidFill>
+                  <a:srgbClr val="444444"/>
+                </a:solidFill>
+                <a:latin typeface="inherit"/>
+              </a:rPr>
+              <a:t>)</a:t>
+            </a:r>
+            <a:endParaRPr lang="en-US" altLang="ko-KR" sz="1600" b="0" i="0" dirty="0">
+              <a:solidFill>
+                <a:srgbClr val="444444"/>
+              </a:solidFill>
+              <a:effectLst/>
+              <a:latin typeface="inherit"/>
+            </a:endParaRPr>
           </a:p>
         </p:txBody>
       </p:sp>
